--- a/Proekt_GameHub.pptx
+++ b/Proekt_GameHub.pptx
@@ -851,7 +851,7 @@
           <a:p>
             <a:fld id="{43CF19E8-7A07-4339-A2D2-D5DE5B4D1A36}" type="datetimeFigureOut">
               <a:rPr lang="ru-RU" smtClean="0"/>
-              <a:t>20.01.2020</a:t>
+              <a:t>29.01.2020</a:t>
             </a:fld>
             <a:endParaRPr lang="ru-RU"/>
           </a:p>
@@ -1102,7 +1102,7 @@
           <a:p>
             <a:fld id="{43CF19E8-7A07-4339-A2D2-D5DE5B4D1A36}" type="datetimeFigureOut">
               <a:rPr lang="ru-RU" smtClean="0"/>
-              <a:t>20.01.2020</a:t>
+              <a:t>29.01.2020</a:t>
             </a:fld>
             <a:endParaRPr lang="ru-RU"/>
           </a:p>
@@ -1416,7 +1416,7 @@
           <a:p>
             <a:fld id="{43CF19E8-7A07-4339-A2D2-D5DE5B4D1A36}" type="datetimeFigureOut">
               <a:rPr lang="ru-RU" smtClean="0"/>
-              <a:t>20.01.2020</a:t>
+              <a:t>29.01.2020</a:t>
             </a:fld>
             <a:endParaRPr lang="ru-RU"/>
           </a:p>
@@ -1757,7 +1757,7 @@
           <a:p>
             <a:fld id="{43CF19E8-7A07-4339-A2D2-D5DE5B4D1A36}" type="datetimeFigureOut">
               <a:rPr lang="ru-RU" smtClean="0"/>
-              <a:t>20.01.2020</a:t>
+              <a:t>29.01.2020</a:t>
             </a:fld>
             <a:endParaRPr lang="ru-RU"/>
           </a:p>
@@ -2071,7 +2071,7 @@
           <a:p>
             <a:fld id="{43CF19E8-7A07-4339-A2D2-D5DE5B4D1A36}" type="datetimeFigureOut">
               <a:rPr lang="ru-RU" smtClean="0"/>
-              <a:t>20.01.2020</a:t>
+              <a:t>29.01.2020</a:t>
             </a:fld>
             <a:endParaRPr lang="ru-RU"/>
           </a:p>
@@ -2464,7 +2464,7 @@
           <a:p>
             <a:fld id="{43CF19E8-7A07-4339-A2D2-D5DE5B4D1A36}" type="datetimeFigureOut">
               <a:rPr lang="ru-RU" smtClean="0"/>
-              <a:t>20.01.2020</a:t>
+              <a:t>29.01.2020</a:t>
             </a:fld>
             <a:endParaRPr lang="ru-RU"/>
           </a:p>
@@ -2634,7 +2634,7 @@
           <a:p>
             <a:fld id="{43CF19E8-7A07-4339-A2D2-D5DE5B4D1A36}" type="datetimeFigureOut">
               <a:rPr lang="ru-RU" smtClean="0"/>
-              <a:t>20.01.2020</a:t>
+              <a:t>29.01.2020</a:t>
             </a:fld>
             <a:endParaRPr lang="ru-RU"/>
           </a:p>
@@ -2814,7 +2814,7 @@
           <a:p>
             <a:fld id="{43CF19E8-7A07-4339-A2D2-D5DE5B4D1A36}" type="datetimeFigureOut">
               <a:rPr lang="ru-RU" smtClean="0"/>
-              <a:t>20.01.2020</a:t>
+              <a:t>29.01.2020</a:t>
             </a:fld>
             <a:endParaRPr lang="ru-RU"/>
           </a:p>
@@ -2990,7 +2990,7 @@
           <a:p>
             <a:fld id="{43CF19E8-7A07-4339-A2D2-D5DE5B4D1A36}" type="datetimeFigureOut">
               <a:rPr lang="ru-RU" smtClean="0"/>
-              <a:t>20.01.2020</a:t>
+              <a:t>29.01.2020</a:t>
             </a:fld>
             <a:endParaRPr lang="ru-RU"/>
           </a:p>
@@ -3237,7 +3237,7 @@
           <a:p>
             <a:fld id="{43CF19E8-7A07-4339-A2D2-D5DE5B4D1A36}" type="datetimeFigureOut">
               <a:rPr lang="ru-RU" smtClean="0"/>
-              <a:t>20.01.2020</a:t>
+              <a:t>29.01.2020</a:t>
             </a:fld>
             <a:endParaRPr lang="ru-RU"/>
           </a:p>
@@ -3469,7 +3469,7 @@
           <a:p>
             <a:fld id="{43CF19E8-7A07-4339-A2D2-D5DE5B4D1A36}" type="datetimeFigureOut">
               <a:rPr lang="ru-RU" smtClean="0"/>
-              <a:t>20.01.2020</a:t>
+              <a:t>29.01.2020</a:t>
             </a:fld>
             <a:endParaRPr lang="ru-RU"/>
           </a:p>
@@ -3843,7 +3843,7 @@
           <a:p>
             <a:fld id="{43CF19E8-7A07-4339-A2D2-D5DE5B4D1A36}" type="datetimeFigureOut">
               <a:rPr lang="ru-RU" smtClean="0"/>
-              <a:t>20.01.2020</a:t>
+              <a:t>29.01.2020</a:t>
             </a:fld>
             <a:endParaRPr lang="ru-RU"/>
           </a:p>
@@ -3966,7 +3966,7 @@
           <a:p>
             <a:fld id="{43CF19E8-7A07-4339-A2D2-D5DE5B4D1A36}" type="datetimeFigureOut">
               <a:rPr lang="ru-RU" smtClean="0"/>
-              <a:t>20.01.2020</a:t>
+              <a:t>29.01.2020</a:t>
             </a:fld>
             <a:endParaRPr lang="ru-RU"/>
           </a:p>
@@ -4061,7 +4061,7 @@
           <a:p>
             <a:fld id="{43CF19E8-7A07-4339-A2D2-D5DE5B4D1A36}" type="datetimeFigureOut">
               <a:rPr lang="ru-RU" smtClean="0"/>
-              <a:t>20.01.2020</a:t>
+              <a:t>29.01.2020</a:t>
             </a:fld>
             <a:endParaRPr lang="ru-RU"/>
           </a:p>
@@ -4316,7 +4316,7 @@
           <a:p>
             <a:fld id="{43CF19E8-7A07-4339-A2D2-D5DE5B4D1A36}" type="datetimeFigureOut">
               <a:rPr lang="ru-RU" smtClean="0"/>
-              <a:t>20.01.2020</a:t>
+              <a:t>29.01.2020</a:t>
             </a:fld>
             <a:endParaRPr lang="ru-RU"/>
           </a:p>
@@ -4579,7 +4579,7 @@
           <a:p>
             <a:fld id="{43CF19E8-7A07-4339-A2D2-D5DE5B4D1A36}" type="datetimeFigureOut">
               <a:rPr lang="ru-RU" smtClean="0"/>
-              <a:t>20.01.2020</a:t>
+              <a:t>29.01.2020</a:t>
             </a:fld>
             <a:endParaRPr lang="ru-RU"/>
           </a:p>
@@ -5322,7 +5322,7 @@
           <a:p>
             <a:fld id="{43CF19E8-7A07-4339-A2D2-D5DE5B4D1A36}" type="datetimeFigureOut">
               <a:rPr lang="ru-RU" smtClean="0"/>
-              <a:t>20.01.2020</a:t>
+              <a:t>29.01.2020</a:t>
             </a:fld>
             <a:endParaRPr lang="ru-RU"/>
           </a:p>
@@ -7153,8 +7153,8 @@
         </p:nvSpPr>
         <p:spPr>
           <a:xfrm rot="18732735">
-            <a:off x="8831800" y="5544108"/>
-            <a:ext cx="2714205" cy="369332"/>
+            <a:off x="9103171" y="5509083"/>
+            <a:ext cx="2808782" cy="369332"/>
           </a:xfrm>
           <a:prstGeom prst="rect">
             <a:avLst/>
@@ -7169,7 +7169,7 @@
           <a:p>
             <a:r>
               <a:rPr lang="ru-RU" dirty="0"/>
-              <a:t>Пока ограничимся этим</a:t>
+              <a:t>Дань шаблону, не более</a:t>
             </a:r>
           </a:p>
         </p:txBody>
@@ -8035,256 +8035,6 @@
               <a:rPr lang="ru-RU" sz="6600" dirty="0"/>
               <a:t>?</a:t>
             </a:r>
-          </a:p>
-        </p:txBody>
-      </p:sp>
-      <p:sp>
-        <p:nvSpPr>
-          <p:cNvPr id="3" name="Объект 2">
-            <a:extLst>
-              <a:ext uri="{FF2B5EF4-FFF2-40B4-BE49-F238E27FC236}">
-                <a16:creationId xmlns:a16="http://schemas.microsoft.com/office/drawing/2014/main" id="{675F996F-C083-46CB-99DB-3B1402F74B6B}"/>
-              </a:ext>
-            </a:extLst>
-          </p:cNvPr>
-          <p:cNvSpPr>
-            <a:spLocks noGrp="1"/>
-          </p:cNvSpPr>
-          <p:nvPr>
-            <p:ph idx="1"/>
-          </p:nvPr>
-        </p:nvSpPr>
-        <p:spPr>
-          <a:xfrm>
-            <a:off x="341193" y="2160589"/>
-            <a:ext cx="5909481" cy="3880773"/>
-          </a:xfrm>
-        </p:spPr>
-        <p:txBody>
-          <a:bodyPr>
-            <a:normAutofit/>
-          </a:bodyPr>
-          <a:lstStyle/>
-          <a:p>
-            <a:r>
-              <a:rPr lang="ru-RU" sz="2800" dirty="0"/>
-              <a:t>Сборник интеллектуальных игр для </a:t>
-            </a:r>
-            <a:r>
-              <a:rPr lang="en-US" sz="2800" b="1" strike="sngStrike" dirty="0">
-                <a:ln w="13462">
-                  <a:solidFill>
-                    <a:schemeClr val="bg1"/>
-                  </a:solidFill>
-                  <a:prstDash val="solid"/>
-                </a:ln>
-                <a:solidFill>
-                  <a:schemeClr val="tx1">
-                    <a:lumMod val="85000"/>
-                    <a:lumOff val="15000"/>
-                  </a:schemeClr>
-                </a:solidFill>
-                <a:effectLst>
-                  <a:outerShdw dist="38100" dir="2700000" algn="bl" rotWithShape="0">
-                    <a:schemeClr val="accent5"/>
-                  </a:outerShdw>
-                </a:effectLst>
-              </a:rPr>
-              <a:t>Android</a:t>
-            </a:r>
-            <a:r>
-              <a:rPr lang="en-US" sz="2800" b="1" dirty="0">
-                <a:ln w="13462">
-                  <a:solidFill>
-                    <a:schemeClr val="bg1"/>
-                  </a:solidFill>
-                  <a:prstDash val="solid"/>
-                </a:ln>
-                <a:solidFill>
-                  <a:schemeClr val="tx1">
-                    <a:lumMod val="85000"/>
-                    <a:lumOff val="15000"/>
-                  </a:schemeClr>
-                </a:solidFill>
-                <a:effectLst>
-                  <a:outerShdw dist="38100" dir="2700000" algn="bl" rotWithShape="0">
-                    <a:schemeClr val="accent5"/>
-                  </a:outerShdw>
-                </a:effectLst>
-              </a:rPr>
-              <a:t> Windows</a:t>
-            </a:r>
-            <a:r>
-              <a:rPr lang="ru-RU" sz="2800" dirty="0"/>
-              <a:t>;</a:t>
-            </a:r>
-          </a:p>
-          <a:p>
-            <a:r>
-              <a:rPr lang="ru-RU" sz="2800" dirty="0"/>
-              <a:t>Будет написан на </a:t>
-            </a:r>
-            <a:r>
-              <a:rPr lang="en-US" sz="2800" b="1" dirty="0">
-                <a:ln w="12700">
-                  <a:solidFill>
-                    <a:schemeClr val="tx2">
-                      <a:lumMod val="75000"/>
-                    </a:schemeClr>
-                  </a:solidFill>
-                  <a:prstDash val="solid"/>
-                </a:ln>
-                <a:pattFill prst="dkUpDiag">
-                  <a:fgClr>
-                    <a:schemeClr val="tx2"/>
-                  </a:fgClr>
-                  <a:bgClr>
-                    <a:schemeClr val="tx2">
-                      <a:lumMod val="20000"/>
-                      <a:lumOff val="80000"/>
-                    </a:schemeClr>
-                  </a:bgClr>
-                </a:pattFill>
-                <a:effectLst>
-                  <a:outerShdw dist="38100" dir="2640000" algn="bl" rotWithShape="0">
-                    <a:schemeClr val="tx2">
-                      <a:lumMod val="75000"/>
-                    </a:schemeClr>
-                  </a:outerShdw>
-                </a:effectLst>
-              </a:rPr>
-              <a:t>Python</a:t>
-            </a:r>
-            <a:r>
-              <a:rPr lang="en-US" sz="2800" dirty="0"/>
-              <a:t> </a:t>
-            </a:r>
-            <a:r>
-              <a:rPr lang="ru-RU" sz="2800" dirty="0"/>
-              <a:t>с использованием библиотек </a:t>
-            </a:r>
-            <a:r>
-              <a:rPr lang="en-US" sz="2800" b="1" dirty="0">
-                <a:ln w="9525">
-                  <a:solidFill>
-                    <a:schemeClr val="bg1"/>
-                  </a:solidFill>
-                  <a:prstDash val="solid"/>
-                </a:ln>
-                <a:solidFill>
-                  <a:schemeClr val="tx1"/>
-                </a:solidFill>
-                <a:effectLst>
-                  <a:outerShdw blurRad="12700" dist="38100" dir="2700000" algn="tl" rotWithShape="0">
-                    <a:schemeClr val="bg1">
-                      <a:lumMod val="50000"/>
-                    </a:schemeClr>
-                  </a:outerShdw>
-                </a:effectLst>
-              </a:rPr>
-              <a:t>PyQt5</a:t>
-            </a:r>
-            <a:r>
-              <a:rPr lang="en-US" sz="2800" dirty="0"/>
-              <a:t> </a:t>
-            </a:r>
-            <a:r>
-              <a:rPr lang="ru-RU" sz="2800" dirty="0"/>
-              <a:t>и</a:t>
-            </a:r>
-            <a:r>
-              <a:rPr lang="en-US" sz="2800" dirty="0"/>
-              <a:t> </a:t>
-            </a:r>
-            <a:r>
-              <a:rPr lang="en-US" sz="2800" b="1" dirty="0">
-                <a:ln w="9525">
-                  <a:solidFill>
-                    <a:schemeClr val="bg1"/>
-                  </a:solidFill>
-                  <a:prstDash val="solid"/>
-                </a:ln>
-                <a:solidFill>
-                  <a:schemeClr val="tx1"/>
-                </a:solidFill>
-                <a:effectLst>
-                  <a:outerShdw blurRad="12700" dist="38100" dir="2700000" algn="tl" rotWithShape="0">
-                    <a:schemeClr val="bg1">
-                      <a:lumMod val="50000"/>
-                    </a:schemeClr>
-                  </a:outerShdw>
-                </a:effectLst>
-              </a:rPr>
-              <a:t>socket(</a:t>
-            </a:r>
-            <a:r>
-              <a:rPr lang="ru-RU" sz="2800" b="1" dirty="0">
-                <a:ln w="9525">
-                  <a:solidFill>
-                    <a:schemeClr val="bg1"/>
-                  </a:solidFill>
-                  <a:prstDash val="solid"/>
-                </a:ln>
-                <a:solidFill>
-                  <a:schemeClr val="tx1"/>
-                </a:solidFill>
-                <a:effectLst>
-                  <a:outerShdw blurRad="12700" dist="38100" dir="2700000" algn="tl" rotWithShape="0">
-                    <a:schemeClr val="bg1">
-                      <a:lumMod val="50000"/>
-                    </a:schemeClr>
-                  </a:outerShdw>
-                </a:effectLst>
-              </a:rPr>
-              <a:t>-</a:t>
-            </a:r>
-            <a:r>
-              <a:rPr lang="en-US" sz="2800" b="1" dirty="0">
-                <a:ln w="9525">
-                  <a:solidFill>
-                    <a:schemeClr val="bg1"/>
-                  </a:solidFill>
-                  <a:prstDash val="solid"/>
-                </a:ln>
-                <a:solidFill>
-                  <a:schemeClr val="tx1"/>
-                </a:solidFill>
-                <a:effectLst>
-                  <a:outerShdw blurRad="12700" dist="38100" dir="2700000" algn="tl" rotWithShape="0">
-                    <a:schemeClr val="bg1">
-                      <a:lumMod val="50000"/>
-                    </a:schemeClr>
-                  </a:outerShdw>
-                </a:effectLst>
-              </a:rPr>
-              <a:t>server</a:t>
-            </a:r>
-            <a:r>
-              <a:rPr lang="ru-RU" sz="2800" b="1" dirty="0">
-                <a:ln w="9525">
-                  <a:solidFill>
-                    <a:schemeClr val="bg1"/>
-                  </a:solidFill>
-                  <a:prstDash val="solid"/>
-                </a:ln>
-                <a:solidFill>
-                  <a:schemeClr val="tx1"/>
-                </a:solidFill>
-                <a:effectLst>
-                  <a:outerShdw blurRad="12700" dist="38100" dir="2700000" algn="tl" rotWithShape="0">
-                    <a:schemeClr val="bg1">
-                      <a:lumMod val="50000"/>
-                    </a:schemeClr>
-                  </a:outerShdw>
-                </a:effectLst>
-              </a:rPr>
-              <a:t>)</a:t>
-            </a:r>
-            <a:r>
-              <a:rPr lang="en-US" sz="2800" dirty="0"/>
-              <a:t>.</a:t>
-            </a:r>
-            <a:endParaRPr lang="ru-RU" sz="2800" dirty="0"/>
           </a:p>
         </p:txBody>
       </p:sp>
@@ -8509,15 +8259,6 @@
               <a:srgbClr val="969696"/>
             </a:contourClr>
           </a:sp3d>
-          <a:extLst>
-            <a:ext uri="{909E8E84-426E-40DD-AFC4-6F175D3DCCD1}">
-              <a14:hiddenFill xmlns:a14="http://schemas.microsoft.com/office/drawing/2010/main">
-                <a:solidFill>
-                  <a:srgbClr val="FFFFFF"/>
-                </a:solidFill>
-              </a14:hiddenFill>
-            </a:ext>
-          </a:extLst>
         </p:spPr>
       </p:pic>
       <p:pic>
@@ -8676,6 +8417,74 @@
           </a:p>
         </p:txBody>
       </p:sp>
+      <p:pic>
+        <p:nvPicPr>
+          <p:cNvPr id="8" name="Picture 4">
+            <a:extLst>
+              <a:ext uri="{FF2B5EF4-FFF2-40B4-BE49-F238E27FC236}">
+                <a16:creationId xmlns:a16="http://schemas.microsoft.com/office/drawing/2014/main" id="{9A8ACA08-D02F-4629-8B44-942954850C7F}"/>
+              </a:ext>
+            </a:extLst>
+          </p:cNvPr>
+          <p:cNvPicPr>
+            <a:picLocks noChangeAspect="1" noChangeArrowheads="1"/>
+          </p:cNvPicPr>
+          <p:nvPr/>
+        </p:nvPicPr>
+        <p:blipFill rotWithShape="1">
+          <a:blip r:embed="rId7">
+            <a:extLst>
+              <a:ext uri="{28A0092B-C50C-407E-A947-70E740481C1C}">
+                <a14:useLocalDpi xmlns:a14="http://schemas.microsoft.com/office/drawing/2010/main" val="0"/>
+              </a:ext>
+            </a:extLst>
+          </a:blip>
+          <a:srcRect l="12841" r="11932"/>
+          <a:stretch/>
+        </p:blipFill>
+        <p:spPr bwMode="auto">
+          <a:xfrm>
+            <a:off x="566461" y="2678063"/>
+            <a:ext cx="5169722" cy="2691587"/>
+          </a:xfrm>
+          <a:prstGeom prst="roundRect">
+            <a:avLst>
+              <a:gd name="adj" fmla="val 16667"/>
+            </a:avLst>
+          </a:prstGeom>
+          <a:ln>
+            <a:noFill/>
+          </a:ln>
+          <a:effectLst>
+            <a:outerShdw blurRad="76200" dist="38100" dir="7800000" algn="tl" rotWithShape="0">
+              <a:srgbClr val="000000">
+                <a:alpha val="40000"/>
+              </a:srgbClr>
+            </a:outerShdw>
+          </a:effectLst>
+          <a:scene3d>
+            <a:camera prst="orthographicFront"/>
+            <a:lightRig rig="contrasting" dir="t">
+              <a:rot lat="0" lon="0" rev="4200000"/>
+            </a:lightRig>
+          </a:scene3d>
+          <a:sp3d prstMaterial="plastic">
+            <a:bevelT w="381000" h="114300" prst="relaxedInset"/>
+            <a:contourClr>
+              <a:srgbClr val="969696"/>
+            </a:contourClr>
+          </a:sp3d>
+          <a:extLst>
+            <a:ext uri="{909E8E84-426E-40DD-AFC4-6F175D3DCCD1}">
+              <a14:hiddenFill xmlns:a14="http://schemas.microsoft.com/office/drawing/2010/main">
+                <a:solidFill>
+                  <a:srgbClr val="FFFFFF"/>
+                </a:solidFill>
+              </a14:hiddenFill>
+            </a:ext>
+          </a:extLst>
+        </p:spPr>
+      </p:pic>
     </p:spTree>
     <p:extLst>
       <p:ext uri="{BB962C8B-B14F-4D97-AF65-F5344CB8AC3E}">
@@ -8718,11 +8527,11 @@
                         <p:par>
                           <p:cTn id="4" fill="hold">
                             <p:stCondLst>
-                              <p:cond delay="1000"/>
+                              <p:cond delay="0"/>
                             </p:stCondLst>
                             <p:childTnLst>
                               <p:par>
-                                <p:cTn id="5" presetID="52" presetClass="entr" presetSubtype="0" fill="hold" grpId="0" nodeType="afterEffect">
+                                <p:cTn id="5" presetID="37" presetClass="entr" presetSubtype="0" fill="hold" nodeType="afterEffect">
                                   <p:stCondLst>
                                     <p:cond delay="0"/>
                                   </p:stCondLst>
@@ -8735,11 +8544,7 @@
                                           </p:stCondLst>
                                         </p:cTn>
                                         <p:tgtEl>
-                                          <p:spTgt spid="3">
-                                            <p:txEl>
-                                              <p:pRg st="0" end="0"/>
-                                            </p:txEl>
-                                          </p:spTgt>
+                                          <p:spTgt spid="8"/>
                                         </p:tgtEl>
                                         <p:attrNameLst>
                                           <p:attrName>style.visibility</p:attrName>
@@ -8749,155 +8554,87 @@
                                         <p:strVal val="visible"/>
                                       </p:to>
                                     </p:set>
-                                    <p:animScale>
-                                      <p:cBhvr>
-                                        <p:cTn id="7" dur="1000" decel="50000" fill="hold">
+                                    <p:animEffect transition="in" filter="fade">
+                                      <p:cBhvr>
+                                        <p:cTn id="7" dur="1000"/>
+                                        <p:tgtEl>
+                                          <p:spTgt spid="8"/>
+                                        </p:tgtEl>
+                                      </p:cBhvr>
+                                    </p:animEffect>
+                                    <p:anim calcmode="lin" valueType="num">
+                                      <p:cBhvr>
+                                        <p:cTn id="8" dur="1000" fill="hold"/>
+                                        <p:tgtEl>
+                                          <p:spTgt spid="8"/>
+                                        </p:tgtEl>
+                                        <p:attrNameLst>
+                                          <p:attrName>ppt_x</p:attrName>
+                                        </p:attrNameLst>
+                                      </p:cBhvr>
+                                      <p:tavLst>
+                                        <p:tav tm="0">
+                                          <p:val>
+                                            <p:strVal val="#ppt_x"/>
+                                          </p:val>
+                                        </p:tav>
+                                        <p:tav tm="100000">
+                                          <p:val>
+                                            <p:strVal val="#ppt_x"/>
+                                          </p:val>
+                                        </p:tav>
+                                      </p:tavLst>
+                                    </p:anim>
+                                    <p:anim calcmode="lin" valueType="num">
+                                      <p:cBhvr>
+                                        <p:cTn id="9" dur="900" decel="100000" fill="hold"/>
+                                        <p:tgtEl>
+                                          <p:spTgt spid="8"/>
+                                        </p:tgtEl>
+                                        <p:attrNameLst>
+                                          <p:attrName>ppt_y</p:attrName>
+                                        </p:attrNameLst>
+                                      </p:cBhvr>
+                                      <p:tavLst>
+                                        <p:tav tm="0">
+                                          <p:val>
+                                            <p:strVal val="#ppt_y+1"/>
+                                          </p:val>
+                                        </p:tav>
+                                        <p:tav tm="100000">
+                                          <p:val>
+                                            <p:strVal val="#ppt_y-.03"/>
+                                          </p:val>
+                                        </p:tav>
+                                      </p:tavLst>
+                                    </p:anim>
+                                    <p:anim calcmode="lin" valueType="num">
+                                      <p:cBhvr>
+                                        <p:cTn id="10" dur="100" accel="100000" fill="hold">
                                           <p:stCondLst>
-                                            <p:cond delay="0"/>
+                                            <p:cond delay="900"/>
                                           </p:stCondLst>
                                         </p:cTn>
                                         <p:tgtEl>
-                                          <p:spTgt spid="3">
-                                            <p:txEl>
-                                              <p:pRg st="0" end="0"/>
-                                            </p:txEl>
-                                          </p:spTgt>
-                                        </p:tgtEl>
-                                      </p:cBhvr>
-                                      <p:from x="250000" y="250000"/>
-                                      <p:to x="100000" y="100000"/>
-                                    </p:animScale>
-                                    <p:animMotion origin="layout" path="M -0.46736 0.92887  C -0.37517 0.88508  -0.02552 0.75279  0.0908 0.66613  C  0.20747 0.57948  0.21649 0.50394  0.23177 0.40825  C 0.24705 0.31256  0.22118 0.15964   0.18264 0.09152  C 0.1441 0.02341  0.03802 0.0  0.0 0.0  " pathEditMode="relative" ptsTypes="">
-                                      <p:cBhvr>
-                                        <p:cTn id="8" dur="1000" decel="50000" fill="hold">
-                                          <p:stCondLst>
-                                            <p:cond delay="0"/>
-                                          </p:stCondLst>
-                                        </p:cTn>
-                                        <p:tgtEl>
-                                          <p:spTgt spid="3">
-                                            <p:txEl>
-                                              <p:pRg st="0" end="0"/>
-                                            </p:txEl>
-                                          </p:spTgt>
+                                          <p:spTgt spid="8"/>
                                         </p:tgtEl>
                                         <p:attrNameLst>
-                                          <p:attrName>ppt_x</p:attrName>
                                           <p:attrName>ppt_y</p:attrName>
                                         </p:attrNameLst>
                                       </p:cBhvr>
-                                    </p:animMotion>
-                                    <p:animEffect transition="in" filter="fade">
-                                      <p:cBhvr>
-                                        <p:cTn id="9" dur="1000"/>
-                                        <p:tgtEl>
-                                          <p:spTgt spid="3">
-                                            <p:txEl>
-                                              <p:pRg st="0" end="0"/>
-                                            </p:txEl>
-                                          </p:spTgt>
-                                        </p:tgtEl>
-                                      </p:cBhvr>
-                                    </p:animEffect>
-                                  </p:childTnLst>
-                                </p:cTn>
-                              </p:par>
-                            </p:childTnLst>
-                          </p:cTn>
-                        </p:par>
-                      </p:childTnLst>
-                    </p:cTn>
-                  </p:par>
-                  <p:par>
-                    <p:cTn id="10" fill="hold">
-                      <p:stCondLst>
-                        <p:cond delay="indefinite"/>
-                      </p:stCondLst>
-                      <p:childTnLst>
-                        <p:par>
-                          <p:cTn id="11" fill="hold">
-                            <p:stCondLst>
-                              <p:cond delay="0"/>
-                            </p:stCondLst>
-                            <p:childTnLst>
-                              <p:par>
-                                <p:cTn id="12" presetID="52" presetClass="entr" presetSubtype="0" fill="hold" grpId="0" nodeType="clickEffect">
-                                  <p:stCondLst>
-                                    <p:cond delay="0"/>
-                                  </p:stCondLst>
-                                  <p:childTnLst>
-                                    <p:set>
-                                      <p:cBhvr>
-                                        <p:cTn id="13" dur="1" fill="hold">
-                                          <p:stCondLst>
-                                            <p:cond delay="0"/>
-                                          </p:stCondLst>
-                                        </p:cTn>
-                                        <p:tgtEl>
-                                          <p:spTgt spid="3">
-                                            <p:txEl>
-                                              <p:pRg st="1" end="1"/>
-                                            </p:txEl>
-                                          </p:spTgt>
-                                        </p:tgtEl>
-                                        <p:attrNameLst>
-                                          <p:attrName>style.visibility</p:attrName>
-                                        </p:attrNameLst>
-                                      </p:cBhvr>
-                                      <p:to>
-                                        <p:strVal val="visible"/>
-                                      </p:to>
-                                    </p:set>
-                                    <p:animScale>
-                                      <p:cBhvr>
-                                        <p:cTn id="14" dur="1000" decel="50000" fill="hold">
-                                          <p:stCondLst>
-                                            <p:cond delay="0"/>
-                                          </p:stCondLst>
-                                        </p:cTn>
-                                        <p:tgtEl>
-                                          <p:spTgt spid="3">
-                                            <p:txEl>
-                                              <p:pRg st="1" end="1"/>
-                                            </p:txEl>
-                                          </p:spTgt>
-                                        </p:tgtEl>
-                                      </p:cBhvr>
-                                      <p:from x="250000" y="250000"/>
-                                      <p:to x="100000" y="100000"/>
-                                    </p:animScale>
-                                    <p:animMotion origin="layout" path="M -0.46736 0.92887  C -0.37517 0.88508  -0.02552 0.75279  0.0908 0.66613  C  0.20747 0.57948  0.21649 0.50394  0.23177 0.40825  C 0.24705 0.31256  0.22118 0.15964   0.18264 0.09152  C 0.1441 0.02341  0.03802 0.0  0.0 0.0  " pathEditMode="relative" ptsTypes="">
-                                      <p:cBhvr>
-                                        <p:cTn id="15" dur="1000" decel="50000" fill="hold">
-                                          <p:stCondLst>
-                                            <p:cond delay="0"/>
-                                          </p:stCondLst>
-                                        </p:cTn>
-                                        <p:tgtEl>
-                                          <p:spTgt spid="3">
-                                            <p:txEl>
-                                              <p:pRg st="1" end="1"/>
-                                            </p:txEl>
-                                          </p:spTgt>
-                                        </p:tgtEl>
-                                        <p:attrNameLst>
-                                          <p:attrName>ppt_x</p:attrName>
-                                          <p:attrName>ppt_y</p:attrName>
-                                        </p:attrNameLst>
-                                      </p:cBhvr>
-                                    </p:animMotion>
-                                    <p:animEffect transition="in" filter="fade">
-                                      <p:cBhvr>
-                                        <p:cTn id="16" dur="1000"/>
-                                        <p:tgtEl>
-                                          <p:spTgt spid="3">
-                                            <p:txEl>
-                                              <p:pRg st="1" end="1"/>
-                                            </p:txEl>
-                                          </p:spTgt>
-                                        </p:tgtEl>
-                                      </p:cBhvr>
-                                    </p:animEffect>
+                                      <p:tavLst>
+                                        <p:tav tm="0">
+                                          <p:val>
+                                            <p:strVal val="#ppt_y-.03"/>
+                                          </p:val>
+                                        </p:tav>
+                                        <p:tav tm="100000">
+                                          <p:val>
+                                            <p:strVal val="#ppt_y"/>
+                                          </p:val>
+                                        </p:tav>
+                                      </p:tavLst>
+                                    </p:anim>
                                   </p:childTnLst>
                                 </p:cTn>
                               </p:par>
@@ -8928,9 +8665,6 @@
         </p:cTn>
       </p:par>
     </p:tnLst>
-    <p:bldLst>
-      <p:bldP spid="3" grpId="0" build="p"/>
-    </p:bldLst>
   </p:timing>
 </p:sld>
 </file>
@@ -9148,7 +8882,7 @@
             </a:r>
             <a:r>
               <a:rPr lang="ru-RU" sz="2800" dirty="0"/>
-              <a:t> на одном устройстве и через сервер – на разных.</a:t>
+              <a:t> через сервер.</a:t>
             </a:r>
           </a:p>
         </p:txBody>
@@ -10074,7 +9808,7 @@
                                     </p:set>
                                     <p:animEffect transition="in" filter="fade">
                                       <p:cBhvr>
-                                        <p:cTn id="7" dur="1250"/>
+                                        <p:cTn id="7" dur="750"/>
                                         <p:tgtEl>
                                           <p:spTgt spid="3">
                                             <p:txEl>
@@ -10086,7 +9820,7 @@
                                     </p:animEffect>
                                     <p:anim calcmode="lin" valueType="num">
                                       <p:cBhvr>
-                                        <p:cTn id="8" dur="1250" fill="hold"/>
+                                        <p:cTn id="8" dur="750" fill="hold"/>
                                         <p:tgtEl>
                                           <p:spTgt spid="3">
                                             <p:txEl>
@@ -10113,7 +9847,7 @@
                                     </p:anim>
                                     <p:anim calcmode="lin" valueType="num">
                                       <p:cBhvr>
-                                        <p:cTn id="9" dur="1250" fill="hold"/>
+                                        <p:cTn id="9" dur="750" fill="hold"/>
                                         <p:tgtEl>
                                           <p:spTgt spid="3">
                                             <p:txEl>
@@ -10147,7 +9881,7 @@
                         <p:par>
                           <p:cTn id="10" fill="hold">
                             <p:stCondLst>
-                              <p:cond delay="1250"/>
+                              <p:cond delay="750"/>
                             </p:stCondLst>
                             <p:childTnLst>
                               <p:par>
@@ -10180,7 +9914,7 @@
                                     </p:set>
                                     <p:animEffect transition="in" filter="fade">
                                       <p:cBhvr>
-                                        <p:cTn id="13" dur="1250"/>
+                                        <p:cTn id="13" dur="750"/>
                                         <p:tgtEl>
                                           <p:spTgt spid="3">
                                             <p:txEl>
@@ -10192,7 +9926,7 @@
                                     </p:animEffect>
                                     <p:anim calcmode="lin" valueType="num">
                                       <p:cBhvr>
-                                        <p:cTn id="14" dur="1250" fill="hold"/>
+                                        <p:cTn id="14" dur="750" fill="hold"/>
                                         <p:tgtEl>
                                           <p:spTgt spid="3">
                                             <p:txEl>
@@ -10219,7 +9953,7 @@
                                     </p:anim>
                                     <p:anim calcmode="lin" valueType="num">
                                       <p:cBhvr>
-                                        <p:cTn id="15" dur="1250" fill="hold"/>
+                                        <p:cTn id="15" dur="750" fill="hold"/>
                                         <p:tgtEl>
                                           <p:spTgt spid="3">
                                             <p:txEl>
@@ -10295,7 +10029,7 @@
                                     </p:set>
                                     <p:animEffect transition="in" filter="fade">
                                       <p:cBhvr>
-                                        <p:cTn id="20" dur="1250"/>
+                                        <p:cTn id="20" dur="750"/>
                                         <p:tgtEl>
                                           <p:spTgt spid="3">
                                             <p:txEl>
@@ -10307,7 +10041,7 @@
                                     </p:animEffect>
                                     <p:anim calcmode="lin" valueType="num">
                                       <p:cBhvr>
-                                        <p:cTn id="21" dur="1250" fill="hold"/>
+                                        <p:cTn id="21" dur="750" fill="hold"/>
                                         <p:tgtEl>
                                           <p:spTgt spid="3">
                                             <p:txEl>
@@ -10334,7 +10068,7 @@
                                     </p:anim>
                                     <p:anim calcmode="lin" valueType="num">
                                       <p:cBhvr>
-                                        <p:cTn id="22" dur="1250" fill="hold"/>
+                                        <p:cTn id="22" dur="750" fill="hold"/>
                                         <p:tgtEl>
                                           <p:spTgt spid="3">
                                             <p:txEl>
@@ -10792,7 +10526,7 @@
                                     </p:set>
                                     <p:animEffect transition="in" filter="fade">
                                       <p:cBhvr>
-                                        <p:cTn id="49" dur="1250"/>
+                                        <p:cTn id="49" dur="750"/>
                                         <p:tgtEl>
                                           <p:spTgt spid="3">
                                             <p:txEl>
@@ -10804,7 +10538,7 @@
                                     </p:animEffect>
                                     <p:anim calcmode="lin" valueType="num">
                                       <p:cBhvr>
-                                        <p:cTn id="50" dur="1250" fill="hold"/>
+                                        <p:cTn id="50" dur="750" fill="hold"/>
                                         <p:tgtEl>
                                           <p:spTgt spid="3">
                                             <p:txEl>
@@ -10831,7 +10565,7 @@
                                     </p:anim>
                                     <p:anim calcmode="lin" valueType="num">
                                       <p:cBhvr>
-                                        <p:cTn id="51" dur="1250" fill="hold"/>
+                                        <p:cTn id="51" dur="750" fill="hold"/>
                                         <p:tgtEl>
                                           <p:spTgt spid="3">
                                             <p:txEl>
@@ -10907,7 +10641,7 @@
                                     </p:set>
                                     <p:animEffect transition="in" filter="fade">
                                       <p:cBhvr>
-                                        <p:cTn id="56" dur="1250"/>
+                                        <p:cTn id="56" dur="750"/>
                                         <p:tgtEl>
                                           <p:spTgt spid="3">
                                             <p:txEl>
@@ -10919,7 +10653,7 @@
                                     </p:animEffect>
                                     <p:anim calcmode="lin" valueType="num">
                                       <p:cBhvr>
-                                        <p:cTn id="57" dur="1250" fill="hold"/>
+                                        <p:cTn id="57" dur="750" fill="hold"/>
                                         <p:tgtEl>
                                           <p:spTgt spid="3">
                                             <p:txEl>
@@ -10946,7 +10680,7 @@
                                     </p:anim>
                                     <p:anim calcmode="lin" valueType="num">
                                       <p:cBhvr>
-                                        <p:cTn id="58" dur="1250" fill="hold"/>
+                                        <p:cTn id="58" dur="750" fill="hold"/>
                                         <p:tgtEl>
                                           <p:spTgt spid="3">
                                             <p:txEl>
@@ -11022,7 +10756,7 @@
                                     </p:set>
                                     <p:animEffect transition="in" filter="fade">
                                       <p:cBhvr>
-                                        <p:cTn id="63" dur="1250"/>
+                                        <p:cTn id="63" dur="750"/>
                                         <p:tgtEl>
                                           <p:spTgt spid="3">
                                             <p:txEl>
@@ -11034,7 +10768,7 @@
                                     </p:animEffect>
                                     <p:anim calcmode="lin" valueType="num">
                                       <p:cBhvr>
-                                        <p:cTn id="64" dur="1250" fill="hold"/>
+                                        <p:cTn id="64" dur="750" fill="hold"/>
                                         <p:tgtEl>
                                           <p:spTgt spid="3">
                                             <p:txEl>
@@ -11061,7 +10795,7 @@
                                     </p:anim>
                                     <p:anim calcmode="lin" valueType="num">
                                       <p:cBhvr>
-                                        <p:cTn id="65" dur="1250" fill="hold"/>
+                                        <p:cTn id="65" dur="750" fill="hold"/>
                                         <p:tgtEl>
                                           <p:spTgt spid="3">
                                             <p:txEl>
